--- a/HLD.pptx
+++ b/HLD.pptx
@@ -104,6 +104,11 @@
       </a:defRPr>
     </a:lvl9pPr>
   </p:defaultTextStyle>
+  <p:extLst>
+    <p:ext uri="{EFAFB233-063F-42B5-8137-9DF3F51BA10A}">
+      <p15:sldGuideLst xmlns:p15="http://schemas.microsoft.com/office/powerpoint/2012/main"/>
+    </p:ext>
+  </p:extLst>
 </p:presentation>
 </file>
 
@@ -256,7 +261,7 @@
           <a:p>
             <a:fld id="{650B6ABE-87F9-42A9-949C-7C4D2C0BCD93}" type="datetimeFigureOut">
               <a:rPr lang="LID4096" smtClean="0"/>
-              <a:t>07/02/2022</a:t>
+              <a:t>07/03/2022</a:t>
             </a:fld>
             <a:endParaRPr lang="LID4096"/>
           </a:p>
@@ -456,7 +461,7 @@
           <a:p>
             <a:fld id="{650B6ABE-87F9-42A9-949C-7C4D2C0BCD93}" type="datetimeFigureOut">
               <a:rPr lang="LID4096" smtClean="0"/>
-              <a:t>07/02/2022</a:t>
+              <a:t>07/03/2022</a:t>
             </a:fld>
             <a:endParaRPr lang="LID4096"/>
           </a:p>
@@ -666,7 +671,7 @@
           <a:p>
             <a:fld id="{650B6ABE-87F9-42A9-949C-7C4D2C0BCD93}" type="datetimeFigureOut">
               <a:rPr lang="LID4096" smtClean="0"/>
-              <a:t>07/02/2022</a:t>
+              <a:t>07/03/2022</a:t>
             </a:fld>
             <a:endParaRPr lang="LID4096"/>
           </a:p>
@@ -866,7 +871,7 @@
           <a:p>
             <a:fld id="{650B6ABE-87F9-42A9-949C-7C4D2C0BCD93}" type="datetimeFigureOut">
               <a:rPr lang="LID4096" smtClean="0"/>
-              <a:t>07/02/2022</a:t>
+              <a:t>07/03/2022</a:t>
             </a:fld>
             <a:endParaRPr lang="LID4096"/>
           </a:p>
@@ -1142,7 +1147,7 @@
           <a:p>
             <a:fld id="{650B6ABE-87F9-42A9-949C-7C4D2C0BCD93}" type="datetimeFigureOut">
               <a:rPr lang="LID4096" smtClean="0"/>
-              <a:t>07/02/2022</a:t>
+              <a:t>07/03/2022</a:t>
             </a:fld>
             <a:endParaRPr lang="LID4096"/>
           </a:p>
@@ -1410,7 +1415,7 @@
           <a:p>
             <a:fld id="{650B6ABE-87F9-42A9-949C-7C4D2C0BCD93}" type="datetimeFigureOut">
               <a:rPr lang="LID4096" smtClean="0"/>
-              <a:t>07/02/2022</a:t>
+              <a:t>07/03/2022</a:t>
             </a:fld>
             <a:endParaRPr lang="LID4096"/>
           </a:p>
@@ -1825,7 +1830,7 @@
           <a:p>
             <a:fld id="{650B6ABE-87F9-42A9-949C-7C4D2C0BCD93}" type="datetimeFigureOut">
               <a:rPr lang="LID4096" smtClean="0"/>
-              <a:t>07/02/2022</a:t>
+              <a:t>07/03/2022</a:t>
             </a:fld>
             <a:endParaRPr lang="LID4096"/>
           </a:p>
@@ -1967,7 +1972,7 @@
           <a:p>
             <a:fld id="{650B6ABE-87F9-42A9-949C-7C4D2C0BCD93}" type="datetimeFigureOut">
               <a:rPr lang="LID4096" smtClean="0"/>
-              <a:t>07/02/2022</a:t>
+              <a:t>07/03/2022</a:t>
             </a:fld>
             <a:endParaRPr lang="LID4096"/>
           </a:p>
@@ -2080,7 +2085,7 @@
           <a:p>
             <a:fld id="{650B6ABE-87F9-42A9-949C-7C4D2C0BCD93}" type="datetimeFigureOut">
               <a:rPr lang="LID4096" smtClean="0"/>
-              <a:t>07/02/2022</a:t>
+              <a:t>07/03/2022</a:t>
             </a:fld>
             <a:endParaRPr lang="LID4096"/>
           </a:p>
@@ -2393,7 +2398,7 @@
           <a:p>
             <a:fld id="{650B6ABE-87F9-42A9-949C-7C4D2C0BCD93}" type="datetimeFigureOut">
               <a:rPr lang="LID4096" smtClean="0"/>
-              <a:t>07/02/2022</a:t>
+              <a:t>07/03/2022</a:t>
             </a:fld>
             <a:endParaRPr lang="LID4096"/>
           </a:p>
@@ -2682,7 +2687,7 @@
           <a:p>
             <a:fld id="{650B6ABE-87F9-42A9-949C-7C4D2C0BCD93}" type="datetimeFigureOut">
               <a:rPr lang="LID4096" smtClean="0"/>
-              <a:t>07/02/2022</a:t>
+              <a:t>07/03/2022</a:t>
             </a:fld>
             <a:endParaRPr lang="LID4096"/>
           </a:p>
@@ -2925,7 +2930,7 @@
           <a:p>
             <a:fld id="{650B6ABE-87F9-42A9-949C-7C4D2C0BCD93}" type="datetimeFigureOut">
               <a:rPr lang="LID4096" smtClean="0"/>
-              <a:t>07/02/2022</a:t>
+              <a:t>07/03/2022</a:t>
             </a:fld>
             <a:endParaRPr lang="LID4096"/>
           </a:p>
@@ -3356,7 +3361,7 @@
         </p:nvSpPr>
         <p:spPr>
           <a:xfrm>
-            <a:off x="7313022" y="1741019"/>
+            <a:off x="7278516" y="2439758"/>
             <a:ext cx="2245046" cy="369332"/>
           </a:xfrm>
           <a:prstGeom prst="rect">
@@ -3408,7 +3413,7 @@
         </p:nvSpPr>
         <p:spPr>
           <a:xfrm>
-            <a:off x="7313022" y="3059668"/>
+            <a:off x="7278516" y="3758407"/>
             <a:ext cx="2245046" cy="369332"/>
           </a:xfrm>
           <a:prstGeom prst="rect">
@@ -3460,7 +3465,7 @@
         </p:nvSpPr>
         <p:spPr>
           <a:xfrm>
-            <a:off x="1883435" y="1748115"/>
+            <a:off x="1848929" y="2446854"/>
             <a:ext cx="2245046" cy="369332"/>
           </a:xfrm>
           <a:prstGeom prst="rect">
@@ -3512,7 +3517,7 @@
         </p:nvSpPr>
         <p:spPr>
           <a:xfrm>
-            <a:off x="379564" y="336517"/>
+            <a:off x="345058" y="1035256"/>
             <a:ext cx="2245046" cy="369332"/>
           </a:xfrm>
           <a:prstGeom prst="rect">
@@ -3564,7 +3569,7 @@
         </p:nvGrpSpPr>
         <p:grpSpPr>
           <a:xfrm>
-            <a:off x="10033914" y="1466574"/>
+            <a:off x="9999408" y="2165313"/>
             <a:ext cx="1604513" cy="1019898"/>
             <a:chOff x="10033914" y="1371687"/>
             <a:chExt cx="1604513" cy="1019898"/>
@@ -3661,7 +3666,7 @@
         </p:nvGrpSpPr>
         <p:grpSpPr>
           <a:xfrm>
-            <a:off x="10033914" y="2786143"/>
+            <a:off x="9999408" y="3484882"/>
             <a:ext cx="1604513" cy="1019898"/>
             <a:chOff x="10033914" y="1371687"/>
             <a:chExt cx="1604513" cy="1019898"/>
@@ -3761,7 +3766,7 @@
         </p:nvCxnSpPr>
         <p:spPr>
           <a:xfrm>
-            <a:off x="1502087" y="705849"/>
+            <a:off x="1467581" y="1404588"/>
             <a:ext cx="1503871" cy="1042266"/>
           </a:xfrm>
           <a:prstGeom prst="straightConnector1">
@@ -3800,7 +3805,7 @@
         </p:nvSpPr>
         <p:spPr>
           <a:xfrm rot="2089011">
-            <a:off x="2158776" y="987436"/>
+            <a:off x="2124270" y="1686175"/>
             <a:ext cx="634894" cy="369332"/>
           </a:xfrm>
           <a:prstGeom prst="rect">
@@ -3854,7 +3859,7 @@
         </p:nvSpPr>
         <p:spPr>
           <a:xfrm>
-            <a:off x="7950657" y="2123344"/>
+            <a:off x="7916151" y="2822083"/>
             <a:ext cx="969775" cy="307777"/>
           </a:xfrm>
           <a:prstGeom prst="rect">
@@ -3904,7 +3909,7 @@
         </p:nvSpPr>
         <p:spPr>
           <a:xfrm>
-            <a:off x="7950656" y="3429000"/>
+            <a:off x="7916150" y="4127739"/>
             <a:ext cx="969775" cy="307777"/>
           </a:xfrm>
           <a:prstGeom prst="rect">
@@ -3957,7 +3962,7 @@
         </p:nvCxnSpPr>
         <p:spPr>
           <a:xfrm flipV="1">
-            <a:off x="9558068" y="1923774"/>
+            <a:off x="9523562" y="2622513"/>
             <a:ext cx="820903" cy="1911"/>
           </a:xfrm>
           <a:prstGeom prst="straightConnector1">
@@ -4001,8 +4006,182 @@
         </p:nvCxnSpPr>
         <p:spPr>
           <a:xfrm flipV="1">
-            <a:off x="9558068" y="3243343"/>
+            <a:off x="9523562" y="3942082"/>
             <a:ext cx="820903" cy="991"/>
+          </a:xfrm>
+          <a:prstGeom prst="straightConnector1">
+            <a:avLst/>
+          </a:prstGeom>
+          <a:ln>
+            <a:headEnd type="triangle" w="med" len="med"/>
+            <a:tailEnd type="triangle" w="med" len="med"/>
+          </a:ln>
+        </p:spPr>
+        <p:style>
+          <a:lnRef idx="1">
+            <a:schemeClr val="accent1"/>
+          </a:lnRef>
+          <a:fillRef idx="0">
+            <a:schemeClr val="accent1"/>
+          </a:fillRef>
+          <a:effectRef idx="0">
+            <a:schemeClr val="accent1"/>
+          </a:effectRef>
+          <a:fontRef idx="minor">
+            <a:schemeClr val="tx1"/>
+          </a:fontRef>
+        </p:style>
+      </p:cxnSp>
+      <p:sp>
+        <p:nvSpPr>
+          <p:cNvPr id="2" name="תיבת טקסט 1">
+            <a:extLst>
+              <a:ext uri="{FF2B5EF4-FFF2-40B4-BE49-F238E27FC236}">
+                <a16:creationId xmlns:a16="http://schemas.microsoft.com/office/drawing/2014/main" id="{682A1015-3310-F0C2-DCAF-52CA5CF86CBF}"/>
+              </a:ext>
+            </a:extLst>
+          </p:cNvPr>
+          <p:cNvSpPr txBox="1"/>
+          <p:nvPr/>
+        </p:nvSpPr>
+        <p:spPr>
+          <a:xfrm>
+            <a:off x="2010020" y="2809090"/>
+            <a:ext cx="2707212" cy="1815882"/>
+          </a:xfrm>
+          <a:prstGeom prst="rect">
+            <a:avLst/>
+          </a:prstGeom>
+          <a:noFill/>
+        </p:spPr>
+        <p:txBody>
+          <a:bodyPr wrap="square" numCol="2" rtlCol="0">
+            <a:spAutoFit/>
+          </a:bodyPr>
+          <a:lstStyle/>
+          <a:p>
+            <a:pPr algn="l" rtl="0"/>
+            <a:r>
+              <a:rPr lang="en-US" sz="1400" dirty="0"/>
+              <a:t>term </a:t>
+            </a:r>
+            <a:br>
+              <a:rPr lang="en-US" sz="1400" dirty="0"/>
+            </a:br>
+            <a:r>
+              <a:rPr lang="en-US" sz="1400" dirty="0"/>
+              <a:t>coverage </a:t>
+            </a:r>
+          </a:p>
+          <a:p>
+            <a:pPr algn="l" rtl="0"/>
+            <a:r>
+              <a:rPr lang="en-US" sz="1400" dirty="0"/>
+              <a:t>Age</a:t>
+            </a:r>
+          </a:p>
+          <a:p>
+            <a:pPr algn="l" rtl="0"/>
+            <a:r>
+              <a:rPr lang="en-US" sz="1400" dirty="0"/>
+              <a:t>Height</a:t>
+            </a:r>
+          </a:p>
+          <a:p>
+            <a:pPr algn="l" rtl="0"/>
+            <a:r>
+              <a:rPr lang="en-US" sz="1400" dirty="0"/>
+              <a:t>Weight</a:t>
+            </a:r>
+          </a:p>
+          <a:p>
+            <a:pPr algn="l" rtl="0"/>
+            <a:r>
+              <a:rPr lang="en-US" sz="1400" dirty="0" err="1"/>
+              <a:t>health_class</a:t>
+            </a:r>
+            <a:endParaRPr lang="en-US" sz="1400" dirty="0"/>
+          </a:p>
+          <a:p>
+            <a:pPr algn="l" rtl="0"/>
+            <a:r>
+              <a:rPr lang="en-US" sz="1400" dirty="0"/>
+              <a:t>Rate</a:t>
+            </a:r>
+          </a:p>
+          <a:p>
+            <a:pPr algn="l" rtl="0"/>
+            <a:r>
+              <a:rPr lang="en-US" sz="1400" dirty="0"/>
+              <a:t>price</a:t>
+            </a:r>
+            <a:endParaRPr lang="LID4096" sz="1400" dirty="0"/>
+          </a:p>
+        </p:txBody>
+      </p:sp>
+      <p:cxnSp>
+        <p:nvCxnSpPr>
+          <p:cNvPr id="15" name="מחבר חץ ישר 14">
+            <a:extLst>
+              <a:ext uri="{FF2B5EF4-FFF2-40B4-BE49-F238E27FC236}">
+                <a16:creationId xmlns:a16="http://schemas.microsoft.com/office/drawing/2014/main" id="{10C2B030-2B01-0082-2F8B-D800D1182403}"/>
+              </a:ext>
+            </a:extLst>
+          </p:cNvPr>
+          <p:cNvCxnSpPr>
+            <a:stCxn id="6" idx="3"/>
+            <a:endCxn id="4" idx="1"/>
+          </p:cNvCxnSpPr>
+          <p:nvPr/>
+        </p:nvCxnSpPr>
+        <p:spPr>
+          <a:xfrm flipV="1">
+            <a:off x="4093975" y="2624424"/>
+            <a:ext cx="3184541" cy="7096"/>
+          </a:xfrm>
+          <a:prstGeom prst="straightConnector1">
+            <a:avLst/>
+          </a:prstGeom>
+          <a:ln>
+            <a:headEnd type="triangle" w="med" len="med"/>
+            <a:tailEnd type="triangle" w="med" len="med"/>
+          </a:ln>
+        </p:spPr>
+        <p:style>
+          <a:lnRef idx="1">
+            <a:schemeClr val="accent1"/>
+          </a:lnRef>
+          <a:fillRef idx="0">
+            <a:schemeClr val="accent1"/>
+          </a:fillRef>
+          <a:effectRef idx="0">
+            <a:schemeClr val="accent1"/>
+          </a:effectRef>
+          <a:fontRef idx="minor">
+            <a:schemeClr val="tx1"/>
+          </a:fontRef>
+        </p:style>
+      </p:cxnSp>
+      <p:cxnSp>
+        <p:nvCxnSpPr>
+          <p:cNvPr id="23" name="מחבר חץ ישר 22">
+            <a:extLst>
+              <a:ext uri="{FF2B5EF4-FFF2-40B4-BE49-F238E27FC236}">
+                <a16:creationId xmlns:a16="http://schemas.microsoft.com/office/drawing/2014/main" id="{F715F8D8-BEB4-AC31-0691-E9A1566E2358}"/>
+              </a:ext>
+            </a:extLst>
+          </p:cNvPr>
+          <p:cNvCxnSpPr>
+            <a:cxnSpLocks/>
+            <a:stCxn id="6" idx="3"/>
+            <a:endCxn id="5" idx="1"/>
+          </p:cNvCxnSpPr>
+          <p:nvPr/>
+        </p:nvCxnSpPr>
+        <p:spPr>
+          <a:xfrm>
+            <a:off x="4093975" y="2631520"/>
+            <a:ext cx="3184541" cy="1311553"/>
           </a:xfrm>
           <a:prstGeom prst="straightConnector1">
             <a:avLst/>

--- a/HLD.pptx
+++ b/HLD.pptx
@@ -261,7 +261,7 @@
           <a:p>
             <a:fld id="{650B6ABE-87F9-42A9-949C-7C4D2C0BCD93}" type="datetimeFigureOut">
               <a:rPr lang="LID4096" smtClean="0"/>
-              <a:t>07/03/2022</a:t>
+              <a:t>07/04/2022</a:t>
             </a:fld>
             <a:endParaRPr lang="LID4096"/>
           </a:p>
@@ -461,7 +461,7 @@
           <a:p>
             <a:fld id="{650B6ABE-87F9-42A9-949C-7C4D2C0BCD93}" type="datetimeFigureOut">
               <a:rPr lang="LID4096" smtClean="0"/>
-              <a:t>07/03/2022</a:t>
+              <a:t>07/04/2022</a:t>
             </a:fld>
             <a:endParaRPr lang="LID4096"/>
           </a:p>
@@ -671,7 +671,7 @@
           <a:p>
             <a:fld id="{650B6ABE-87F9-42A9-949C-7C4D2C0BCD93}" type="datetimeFigureOut">
               <a:rPr lang="LID4096" smtClean="0"/>
-              <a:t>07/03/2022</a:t>
+              <a:t>07/04/2022</a:t>
             </a:fld>
             <a:endParaRPr lang="LID4096"/>
           </a:p>
@@ -871,7 +871,7 @@
           <a:p>
             <a:fld id="{650B6ABE-87F9-42A9-949C-7C4D2C0BCD93}" type="datetimeFigureOut">
               <a:rPr lang="LID4096" smtClean="0"/>
-              <a:t>07/03/2022</a:t>
+              <a:t>07/04/2022</a:t>
             </a:fld>
             <a:endParaRPr lang="LID4096"/>
           </a:p>
@@ -1147,7 +1147,7 @@
           <a:p>
             <a:fld id="{650B6ABE-87F9-42A9-949C-7C4D2C0BCD93}" type="datetimeFigureOut">
               <a:rPr lang="LID4096" smtClean="0"/>
-              <a:t>07/03/2022</a:t>
+              <a:t>07/04/2022</a:t>
             </a:fld>
             <a:endParaRPr lang="LID4096"/>
           </a:p>
@@ -1415,7 +1415,7 @@
           <a:p>
             <a:fld id="{650B6ABE-87F9-42A9-949C-7C4D2C0BCD93}" type="datetimeFigureOut">
               <a:rPr lang="LID4096" smtClean="0"/>
-              <a:t>07/03/2022</a:t>
+              <a:t>07/04/2022</a:t>
             </a:fld>
             <a:endParaRPr lang="LID4096"/>
           </a:p>
@@ -1830,7 +1830,7 @@
           <a:p>
             <a:fld id="{650B6ABE-87F9-42A9-949C-7C4D2C0BCD93}" type="datetimeFigureOut">
               <a:rPr lang="LID4096" smtClean="0"/>
-              <a:t>07/03/2022</a:t>
+              <a:t>07/04/2022</a:t>
             </a:fld>
             <a:endParaRPr lang="LID4096"/>
           </a:p>
@@ -1972,7 +1972,7 @@
           <a:p>
             <a:fld id="{650B6ABE-87F9-42A9-949C-7C4D2C0BCD93}" type="datetimeFigureOut">
               <a:rPr lang="LID4096" smtClean="0"/>
-              <a:t>07/03/2022</a:t>
+              <a:t>07/04/2022</a:t>
             </a:fld>
             <a:endParaRPr lang="LID4096"/>
           </a:p>
@@ -2085,7 +2085,7 @@
           <a:p>
             <a:fld id="{650B6ABE-87F9-42A9-949C-7C4D2C0BCD93}" type="datetimeFigureOut">
               <a:rPr lang="LID4096" smtClean="0"/>
-              <a:t>07/03/2022</a:t>
+              <a:t>07/04/2022</a:t>
             </a:fld>
             <a:endParaRPr lang="LID4096"/>
           </a:p>
@@ -2398,7 +2398,7 @@
           <a:p>
             <a:fld id="{650B6ABE-87F9-42A9-949C-7C4D2C0BCD93}" type="datetimeFigureOut">
               <a:rPr lang="LID4096" smtClean="0"/>
-              <a:t>07/03/2022</a:t>
+              <a:t>07/04/2022</a:t>
             </a:fld>
             <a:endParaRPr lang="LID4096"/>
           </a:p>
@@ -2687,7 +2687,7 @@
           <a:p>
             <a:fld id="{650B6ABE-87F9-42A9-949C-7C4D2C0BCD93}" type="datetimeFigureOut">
               <a:rPr lang="LID4096" smtClean="0"/>
-              <a:t>07/03/2022</a:t>
+              <a:t>07/04/2022</a:t>
             </a:fld>
             <a:endParaRPr lang="LID4096"/>
           </a:p>
@@ -2930,7 +2930,7 @@
           <a:p>
             <a:fld id="{650B6ABE-87F9-42A9-949C-7C4D2C0BCD93}" type="datetimeFigureOut">
               <a:rPr lang="LID4096" smtClean="0"/>
-              <a:t>07/03/2022</a:t>
+              <a:t>07/04/2022</a:t>
             </a:fld>
             <a:endParaRPr lang="LID4096"/>
           </a:p>
@@ -3413,7 +3413,7 @@
         </p:nvSpPr>
         <p:spPr>
           <a:xfrm>
-            <a:off x="7278516" y="3758407"/>
+            <a:off x="7278516" y="4638298"/>
             <a:ext cx="2245046" cy="369332"/>
           </a:xfrm>
           <a:prstGeom prst="rect">
@@ -3666,7 +3666,7 @@
         </p:nvGrpSpPr>
         <p:grpSpPr>
           <a:xfrm>
-            <a:off x="9999408" y="3484882"/>
+            <a:off x="9999408" y="4364773"/>
             <a:ext cx="1604513" cy="1019898"/>
             <a:chOff x="10033914" y="1371687"/>
             <a:chExt cx="1604513" cy="1019898"/>
@@ -3773,7 +3773,8 @@
             <a:avLst/>
           </a:prstGeom>
           <a:ln>
-            <a:tailEnd type="triangle"/>
+            <a:headEnd type="triangle" w="med" len="med"/>
+            <a:tailEnd type="triangle" w="med" len="med"/>
           </a:ln>
         </p:spPr>
         <p:style>
@@ -3805,8 +3806,8 @@
         </p:nvSpPr>
         <p:spPr>
           <a:xfrm rot="2089011">
-            <a:off x="2124270" y="1686175"/>
-            <a:ext cx="634894" cy="369332"/>
+            <a:off x="1765054" y="1606494"/>
+            <a:ext cx="975877" cy="307777"/>
           </a:xfrm>
           <a:prstGeom prst="rect">
             <a:avLst/>
@@ -3838,10 +3839,18 @@
           <a:p>
             <a:pPr algn="ctr"/>
             <a:r>
-              <a:rPr lang="en-US" dirty="0" err="1"/>
-              <a:t>Json</a:t>
-            </a:r>
-            <a:endParaRPr lang="LID4096" dirty="0"/>
+              <a:rPr lang="en-US" sz="1400" b="1" dirty="0">
+                <a:solidFill>
+                  <a:srgbClr val="0070C0"/>
+                </a:solidFill>
+              </a:rPr>
+              <a:t>Post</a:t>
+            </a:r>
+            <a:endParaRPr lang="LID4096" sz="1400" b="1" dirty="0">
+              <a:solidFill>
+                <a:srgbClr val="0070C0"/>
+              </a:solidFill>
+            </a:endParaRPr>
           </a:p>
         </p:txBody>
       </p:sp>
@@ -3909,7 +3918,7 @@
         </p:nvSpPr>
         <p:spPr>
           <a:xfrm>
-            <a:off x="7916150" y="4127739"/>
+            <a:off x="7916150" y="5007630"/>
             <a:ext cx="969775" cy="307777"/>
           </a:xfrm>
           <a:prstGeom prst="rect">
@@ -4006,7 +4015,7 @@
         </p:nvCxnSpPr>
         <p:spPr>
           <a:xfrm flipV="1">
-            <a:off x="9523562" y="3942082"/>
+            <a:off x="9523562" y="4821973"/>
             <a:ext cx="820903" cy="991"/>
           </a:xfrm>
           <a:prstGeom prst="straightConnector1">
@@ -4046,8 +4055,8 @@
         </p:nvSpPr>
         <p:spPr>
           <a:xfrm>
-            <a:off x="2010020" y="2809090"/>
-            <a:ext cx="2707212" cy="1815882"/>
+            <a:off x="1839724" y="2809090"/>
+            <a:ext cx="974664" cy="954107"/>
           </a:xfrm>
           <a:prstGeom prst="rect">
             <a:avLst/>
@@ -4055,12 +4064,12 @@
           <a:noFill/>
         </p:spPr>
         <p:txBody>
-          <a:bodyPr wrap="square" numCol="2" rtlCol="0">
+          <a:bodyPr wrap="square" numCol="1" rtlCol="0">
             <a:spAutoFit/>
           </a:bodyPr>
           <a:lstStyle/>
           <a:p>
-            <a:pPr algn="l" rtl="0"/>
+            <a:pPr algn="ctr" rtl="0"/>
             <a:r>
               <a:rPr lang="en-US" sz="1400" dirty="0"/>
               <a:t>term </a:t>
@@ -4074,48 +4083,18 @@
             </a:r>
           </a:p>
           <a:p>
-            <a:pPr algn="l" rtl="0"/>
+            <a:pPr algn="ctr" rtl="0"/>
             <a:r>
               <a:rPr lang="en-US" sz="1400" dirty="0"/>
-              <a:t>Age</a:t>
-            </a:r>
-          </a:p>
-          <a:p>
-            <a:pPr algn="l" rtl="0"/>
+              <a:t>age</a:t>
+            </a:r>
+          </a:p>
+          <a:p>
+            <a:pPr algn="ctr" rtl="0"/>
             <a:r>
               <a:rPr lang="en-US" sz="1400" dirty="0"/>
-              <a:t>Height</a:t>
-            </a:r>
-          </a:p>
-          <a:p>
-            <a:pPr algn="l" rtl="0"/>
-            <a:r>
-              <a:rPr lang="en-US" sz="1400" dirty="0"/>
-              <a:t>Weight</a:t>
-            </a:r>
-          </a:p>
-          <a:p>
-            <a:pPr algn="l" rtl="0"/>
-            <a:r>
-              <a:rPr lang="en-US" sz="1400" dirty="0" err="1"/>
-              <a:t>health_class</a:t>
-            </a:r>
-            <a:endParaRPr lang="en-US" sz="1400" dirty="0"/>
-          </a:p>
-          <a:p>
-            <a:pPr algn="l" rtl="0"/>
-            <a:r>
-              <a:rPr lang="en-US" sz="1400" dirty="0"/>
-              <a:t>Rate</a:t>
-            </a:r>
-          </a:p>
-          <a:p>
-            <a:pPr algn="l" rtl="0"/>
-            <a:r>
-              <a:rPr lang="en-US" sz="1400" dirty="0"/>
-              <a:t>price</a:t>
-            </a:r>
-            <a:endParaRPr lang="LID4096" sz="1400" dirty="0"/>
+              <a:t>height</a:t>
+            </a:r>
           </a:p>
         </p:txBody>
       </p:sp>
@@ -4181,7 +4160,7 @@
         <p:spPr>
           <a:xfrm>
             <a:off x="4093975" y="2631520"/>
-            <a:ext cx="3184541" cy="1311553"/>
+            <a:ext cx="3184541" cy="2191444"/>
           </a:xfrm>
           <a:prstGeom prst="straightConnector1">
             <a:avLst/>
@@ -4206,6 +4185,290 @@
           </a:fontRef>
         </p:style>
       </p:cxnSp>
+      <p:sp>
+        <p:nvSpPr>
+          <p:cNvPr id="3" name="תיבת טקסט 2">
+            <a:extLst>
+              <a:ext uri="{FF2B5EF4-FFF2-40B4-BE49-F238E27FC236}">
+                <a16:creationId xmlns:a16="http://schemas.microsoft.com/office/drawing/2014/main" id="{9CC816E6-7780-12B8-5A41-C5A209662F0B}"/>
+              </a:ext>
+            </a:extLst>
+          </p:cNvPr>
+          <p:cNvSpPr txBox="1"/>
+          <p:nvPr/>
+        </p:nvSpPr>
+        <p:spPr>
+          <a:xfrm>
+            <a:off x="4263692" y="2330817"/>
+            <a:ext cx="2835847" cy="307777"/>
+          </a:xfrm>
+          <a:prstGeom prst="rect">
+            <a:avLst/>
+          </a:prstGeom>
+          <a:noFill/>
+        </p:spPr>
+        <p:txBody>
+          <a:bodyPr wrap="square" rtlCol="0">
+            <a:spAutoFit/>
+          </a:bodyPr>
+          <a:lstStyle/>
+          <a:p>
+            <a:pPr algn="ctr"/>
+            <a:r>
+              <a:rPr lang="en-US" sz="1400" b="1" dirty="0">
+                <a:solidFill>
+                  <a:srgbClr val="0070C0"/>
+                </a:solidFill>
+              </a:rPr>
+              <a:t>Term, age, health-class, coverage</a:t>
+            </a:r>
+            <a:endParaRPr lang="LID4096" sz="1400" b="1" dirty="0">
+              <a:solidFill>
+                <a:srgbClr val="0070C0"/>
+              </a:solidFill>
+            </a:endParaRPr>
+          </a:p>
+        </p:txBody>
+      </p:sp>
+      <p:sp>
+        <p:nvSpPr>
+          <p:cNvPr id="26" name="תיבת טקסט 25">
+            <a:extLst>
+              <a:ext uri="{FF2B5EF4-FFF2-40B4-BE49-F238E27FC236}">
+                <a16:creationId xmlns:a16="http://schemas.microsoft.com/office/drawing/2014/main" id="{E9916ABC-4524-4AF9-2392-527468492BEA}"/>
+              </a:ext>
+            </a:extLst>
+          </p:cNvPr>
+          <p:cNvSpPr txBox="1"/>
+          <p:nvPr/>
+        </p:nvSpPr>
+        <p:spPr>
+          <a:xfrm>
+            <a:off x="4834694" y="2622513"/>
+            <a:ext cx="1612480" cy="338554"/>
+          </a:xfrm>
+          <a:prstGeom prst="rect">
+            <a:avLst/>
+          </a:prstGeom>
+          <a:noFill/>
+        </p:spPr>
+        <p:txBody>
+          <a:bodyPr wrap="square" rtlCol="0">
+            <a:spAutoFit/>
+          </a:bodyPr>
+          <a:lstStyle/>
+          <a:p>
+            <a:pPr algn="ctr"/>
+            <a:r>
+              <a:rPr lang="en-US" sz="1600" b="1" dirty="0">
+                <a:solidFill>
+                  <a:srgbClr val="FF0000"/>
+                </a:solidFill>
+              </a:rPr>
+              <a:t>rate</a:t>
+            </a:r>
+            <a:endParaRPr lang="LID4096" sz="1600" b="1" dirty="0">
+              <a:solidFill>
+                <a:srgbClr val="FF0000"/>
+              </a:solidFill>
+            </a:endParaRPr>
+          </a:p>
+        </p:txBody>
+      </p:sp>
+      <p:sp>
+        <p:nvSpPr>
+          <p:cNvPr id="27" name="תיבת טקסט 26">
+            <a:extLst>
+              <a:ext uri="{FF2B5EF4-FFF2-40B4-BE49-F238E27FC236}">
+                <a16:creationId xmlns:a16="http://schemas.microsoft.com/office/drawing/2014/main" id="{5F7E1E81-3588-04D1-3996-85D98D32CF28}"/>
+              </a:ext>
+            </a:extLst>
+          </p:cNvPr>
+          <p:cNvSpPr txBox="1"/>
+          <p:nvPr/>
+        </p:nvSpPr>
+        <p:spPr>
+          <a:xfrm rot="2023354">
+            <a:off x="4971670" y="3454629"/>
+            <a:ext cx="1612480" cy="307777"/>
+          </a:xfrm>
+          <a:prstGeom prst="rect">
+            <a:avLst/>
+          </a:prstGeom>
+          <a:noFill/>
+        </p:spPr>
+        <p:txBody>
+          <a:bodyPr wrap="square" rtlCol="0">
+            <a:spAutoFit/>
+          </a:bodyPr>
+          <a:lstStyle/>
+          <a:p>
+            <a:pPr algn="ctr"/>
+            <a:r>
+              <a:rPr lang="en-US" sz="1400" b="1" dirty="0">
+                <a:solidFill>
+                  <a:srgbClr val="0070C0"/>
+                </a:solidFill>
+              </a:rPr>
+              <a:t>height, weight</a:t>
+            </a:r>
+            <a:endParaRPr lang="LID4096" sz="1400" b="1" dirty="0">
+              <a:solidFill>
+                <a:srgbClr val="0070C0"/>
+              </a:solidFill>
+            </a:endParaRPr>
+          </a:p>
+        </p:txBody>
+      </p:sp>
+      <p:sp>
+        <p:nvSpPr>
+          <p:cNvPr id="28" name="תיבת טקסט 27">
+            <a:extLst>
+              <a:ext uri="{FF2B5EF4-FFF2-40B4-BE49-F238E27FC236}">
+                <a16:creationId xmlns:a16="http://schemas.microsoft.com/office/drawing/2014/main" id="{37BC6342-9D79-8B4B-B2E4-DB586E2D2D38}"/>
+              </a:ext>
+            </a:extLst>
+          </p:cNvPr>
+          <p:cNvSpPr txBox="1"/>
+          <p:nvPr/>
+        </p:nvSpPr>
+        <p:spPr>
+          <a:xfrm rot="2023354">
+            <a:off x="4793011" y="3715011"/>
+            <a:ext cx="1612480" cy="338554"/>
+          </a:xfrm>
+          <a:prstGeom prst="rect">
+            <a:avLst/>
+          </a:prstGeom>
+          <a:noFill/>
+        </p:spPr>
+        <p:txBody>
+          <a:bodyPr wrap="square" rtlCol="0">
+            <a:spAutoFit/>
+          </a:bodyPr>
+          <a:lstStyle/>
+          <a:p>
+            <a:pPr algn="ctr"/>
+            <a:r>
+              <a:rPr lang="en-US" sz="1600" b="1" dirty="0">
+                <a:solidFill>
+                  <a:srgbClr val="FF0000"/>
+                </a:solidFill>
+              </a:rPr>
+              <a:t>Health-class</a:t>
+            </a:r>
+            <a:endParaRPr lang="LID4096" sz="1600" b="1" dirty="0">
+              <a:solidFill>
+                <a:srgbClr val="FF0000"/>
+              </a:solidFill>
+            </a:endParaRPr>
+          </a:p>
+        </p:txBody>
+      </p:sp>
+      <p:sp>
+        <p:nvSpPr>
+          <p:cNvPr id="29" name="תיבת טקסט 28">
+            <a:extLst>
+              <a:ext uri="{FF2B5EF4-FFF2-40B4-BE49-F238E27FC236}">
+                <a16:creationId xmlns:a16="http://schemas.microsoft.com/office/drawing/2014/main" id="{0155F161-90CF-F05B-1DB0-442D2844FE5F}"/>
+              </a:ext>
+            </a:extLst>
+          </p:cNvPr>
+          <p:cNvSpPr txBox="1"/>
+          <p:nvPr/>
+        </p:nvSpPr>
+        <p:spPr>
+          <a:xfrm>
+            <a:off x="2825832" y="2816188"/>
+            <a:ext cx="1130117" cy="954107"/>
+          </a:xfrm>
+          <a:prstGeom prst="rect">
+            <a:avLst/>
+          </a:prstGeom>
+          <a:noFill/>
+        </p:spPr>
+        <p:txBody>
+          <a:bodyPr wrap="square" numCol="1" rtlCol="0">
+            <a:spAutoFit/>
+          </a:bodyPr>
+          <a:lstStyle/>
+          <a:p>
+            <a:pPr algn="ctr" rtl="0"/>
+            <a:r>
+              <a:rPr lang="en-US" sz="1400" dirty="0"/>
+              <a:t>weight</a:t>
+            </a:r>
+          </a:p>
+          <a:p>
+            <a:pPr algn="ctr" rtl="0"/>
+            <a:r>
+              <a:rPr lang="en-US" sz="1400" dirty="0" err="1"/>
+              <a:t>health_class</a:t>
+            </a:r>
+            <a:endParaRPr lang="en-US" sz="1400" dirty="0"/>
+          </a:p>
+          <a:p>
+            <a:pPr algn="ctr" rtl="0"/>
+            <a:r>
+              <a:rPr lang="en-US" sz="1400" dirty="0"/>
+              <a:t>Rate</a:t>
+            </a:r>
+          </a:p>
+          <a:p>
+            <a:pPr algn="ctr" rtl="0"/>
+            <a:r>
+              <a:rPr lang="en-US" sz="1400" dirty="0"/>
+              <a:t>price</a:t>
+            </a:r>
+            <a:endParaRPr lang="LID4096" sz="1400" dirty="0"/>
+          </a:p>
+        </p:txBody>
+      </p:sp>
+      <p:sp>
+        <p:nvSpPr>
+          <p:cNvPr id="30" name="תיבת טקסט 29">
+            <a:extLst>
+              <a:ext uri="{FF2B5EF4-FFF2-40B4-BE49-F238E27FC236}">
+                <a16:creationId xmlns:a16="http://schemas.microsoft.com/office/drawing/2014/main" id="{2D3A28FE-BC93-9F61-21F1-415549EA9726}"/>
+              </a:ext>
+            </a:extLst>
+          </p:cNvPr>
+          <p:cNvSpPr txBox="1"/>
+          <p:nvPr/>
+        </p:nvSpPr>
+        <p:spPr>
+          <a:xfrm rot="2163665">
+            <a:off x="1248122" y="1780460"/>
+            <a:ext cx="1612480" cy="307777"/>
+          </a:xfrm>
+          <a:prstGeom prst="rect">
+            <a:avLst/>
+          </a:prstGeom>
+          <a:noFill/>
+        </p:spPr>
+        <p:txBody>
+          <a:bodyPr wrap="square" rtlCol="0">
+            <a:spAutoFit/>
+          </a:bodyPr>
+          <a:lstStyle/>
+          <a:p>
+            <a:pPr algn="ctr"/>
+            <a:r>
+              <a:rPr lang="en-US" sz="1400" b="1" dirty="0" err="1">
+                <a:solidFill>
+                  <a:srgbClr val="FF0000"/>
+                </a:solidFill>
+              </a:rPr>
+              <a:t>Json_response</a:t>
+            </a:r>
+            <a:endParaRPr lang="LID4096" sz="1600" b="1" dirty="0">
+              <a:solidFill>
+                <a:srgbClr val="FF0000"/>
+              </a:solidFill>
+            </a:endParaRPr>
+          </a:p>
+        </p:txBody>
+      </p:sp>
     </p:spTree>
     <p:extLst>
       <p:ext uri="{BB962C8B-B14F-4D97-AF65-F5344CB8AC3E}">

--- a/HLD.pptx
+++ b/HLD.pptx
@@ -4220,7 +4220,7 @@
                   <a:srgbClr val="0070C0"/>
                 </a:solidFill>
               </a:rPr>
-              <a:t>Term, age, health-class, coverage</a:t>
+              <a:t>term, age, health-class, coverage</a:t>
             </a:r>
             <a:endParaRPr lang="LID4096" sz="1400" b="1" dirty="0">
               <a:solidFill>
@@ -4244,7 +4244,7 @@
         </p:nvSpPr>
         <p:spPr>
           <a:xfrm>
-            <a:off x="4834694" y="2622513"/>
+            <a:off x="4834694" y="2613887"/>
             <a:ext cx="1612480" cy="338554"/>
           </a:xfrm>
           <a:prstGeom prst="rect">
@@ -4334,8 +4334,8 @@
         </p:nvSpPr>
         <p:spPr>
           <a:xfrm rot="2023354">
-            <a:off x="4793011" y="3715011"/>
-            <a:ext cx="1612480" cy="338554"/>
+            <a:off x="4793011" y="3730399"/>
+            <a:ext cx="1612480" cy="307777"/>
           </a:xfrm>
           <a:prstGeom prst="rect">
             <a:avLst/>
@@ -4350,14 +4350,14 @@
           <a:p>
             <a:pPr algn="ctr"/>
             <a:r>
-              <a:rPr lang="en-US" sz="1600" b="1" dirty="0">
+              <a:rPr lang="en-US" sz="1400" b="1" dirty="0">
                 <a:solidFill>
                   <a:srgbClr val="FF0000"/>
                 </a:solidFill>
               </a:rPr>
               <a:t>Health-class</a:t>
             </a:r>
-            <a:endParaRPr lang="LID4096" sz="1600" b="1" dirty="0">
+            <a:endParaRPr lang="LID4096" sz="1400" b="1" dirty="0">
               <a:solidFill>
                 <a:srgbClr val="FF0000"/>
               </a:solidFill>
